--- a/19_Singelton/15_Ch02_SingletonLazyInst.pptx
+++ b/19_Singelton/15_Ch02_SingletonLazyInst.pptx
@@ -3630,6 +3630,11 @@
           <a:prstGeom prst="rect">
             <a:avLst/>
           </a:prstGeom>
+          <a:ln>
+            <a:solidFill>
+              <a:srgbClr val="C00000"/>
+            </a:solidFill>
+          </a:ln>
         </p:spPr>
       </p:pic>
       <p:sp>
